--- a/ClassMaterials/MergeSort/Slides/Part1-MergeSort.pptx
+++ b/ClassMaterials/MergeSort/Slides/Part1-MergeSort.pptx
@@ -181,13 +181,37 @@
 <file path=ppt/revisionInfo.xml><?xml version="1.0" encoding="utf-8"?>
 <p1510:revInfo xmlns:a="http://schemas.openxmlformats.org/drawingml/2006/main" xmlns:r="http://schemas.openxmlformats.org/officeDocument/2006/relationships" xmlns:p1510="http://schemas.microsoft.com/office/powerpoint/2015/10/main">
   <p1510:revLst>
-    <p1510:client id="{78BC636A-2F28-42CF-9AB8-1476136029BF}" v="5" dt="2021-11-09T14:26:06.271"/>
+    <p1510:client id="{D3F16C35-7113-468F-9417-58656C44C90E}" v="1" dt="2023-09-03T17:55:47.175"/>
   </p1510:revLst>
 </p1510:revInfo>
 </file>
 
 <file path=ppt/changesInfos/changesInfo1.xml><?xml version="1.0" encoding="utf-8"?>
 <pc:chgInfo xmlns:a="http://schemas.openxmlformats.org/drawingml/2006/main" xmlns:r="http://schemas.openxmlformats.org/officeDocument/2006/relationships" xmlns:ac="http://schemas.microsoft.com/office/drawing/2013/main/command" xmlns:pc="http://schemas.microsoft.com/office/powerpoint/2013/main/command">
+  <pc:docChgLst>
+    <pc:chgData name="Yoder, Jason" userId="28f4d4d8-da04-4f86-b14d-a21675737bc5" providerId="ADAL" clId="{D3F16C35-7113-468F-9417-58656C44C90E}"/>
+    <pc:docChg chg="modSld">
+      <pc:chgData name="Yoder, Jason" userId="28f4d4d8-da04-4f86-b14d-a21675737bc5" providerId="ADAL" clId="{D3F16C35-7113-468F-9417-58656C44C90E}" dt="2023-09-03T17:55:50.727" v="7" actId="20577"/>
+      <pc:docMkLst>
+        <pc:docMk/>
+      </pc:docMkLst>
+      <pc:sldChg chg="addSp modSp mod">
+        <pc:chgData name="Yoder, Jason" userId="28f4d4d8-da04-4f86-b14d-a21675737bc5" providerId="ADAL" clId="{D3F16C35-7113-468F-9417-58656C44C90E}" dt="2023-09-03T17:55:50.727" v="7" actId="20577"/>
+        <pc:sldMkLst>
+          <pc:docMk/>
+          <pc:sldMk cId="0" sldId="304"/>
+        </pc:sldMkLst>
+        <pc:spChg chg="add mod">
+          <ac:chgData name="Yoder, Jason" userId="28f4d4d8-da04-4f86-b14d-a21675737bc5" providerId="ADAL" clId="{D3F16C35-7113-468F-9417-58656C44C90E}" dt="2023-09-03T17:55:50.727" v="7" actId="20577"/>
+          <ac:spMkLst>
+            <pc:docMk/>
+            <pc:sldMk cId="0" sldId="304"/>
+            <ac:spMk id="3" creationId="{DAAFB956-898E-B06E-D194-66ACA3A5F551}"/>
+          </ac:spMkLst>
+        </pc:spChg>
+      </pc:sldChg>
+    </pc:docChg>
+  </pc:docChgLst>
   <pc:docChgLst>
     <pc:chgData name="Dorsey, Cameron" userId="S::dorseycs@rose-hulman.edu::e3fdc538-7733-41a8-91e6-3ff377dfa323" providerId="AD" clId="Web-{78BC636A-2F28-42CF-9AB8-1476136029BF}"/>
     <pc:docChg chg="modSld">
@@ -355,7 +379,7 @@
               <a:pPr>
                 <a:defRPr/>
               </a:pPr>
-              <a:t>11/6/22</a:t>
+              <a:t>9/3/2023</a:t>
             </a:fld>
             <a:endParaRPr lang="en-US"/>
           </a:p>
@@ -590,7 +614,7 @@
               <a:pPr>
                 <a:defRPr/>
               </a:pPr>
-              <a:t>11/6/22</a:t>
+              <a:t>9/3/2023</a:t>
             </a:fld>
             <a:endParaRPr lang="en-US"/>
           </a:p>
@@ -2141,7 +2165,7 @@
               <a:pPr>
                 <a:defRPr/>
               </a:pPr>
-              <a:t>Sunday, November 6, 2022</a:t>
+              <a:t>Sunday, September 3, 2023</a:t>
             </a:fld>
             <a:endParaRPr lang="en-US"/>
           </a:p>
@@ -2324,7 +2348,7 @@
               <a:pPr>
                 <a:defRPr/>
               </a:pPr>
-              <a:t>Sunday, November 6, 2022</a:t>
+              <a:t>Sunday, September 3, 2023</a:t>
             </a:fld>
             <a:endParaRPr lang="en-US"/>
           </a:p>
@@ -2517,7 +2541,7 @@
               <a:pPr>
                 <a:defRPr/>
               </a:pPr>
-              <a:t>Sunday, November 6, 2022</a:t>
+              <a:t>Sunday, September 3, 2023</a:t>
             </a:fld>
             <a:endParaRPr lang="en-US"/>
           </a:p>
@@ -2700,7 +2724,7 @@
               <a:pPr>
                 <a:defRPr/>
               </a:pPr>
-              <a:t>Sunday, November 6, 2022</a:t>
+              <a:t>Sunday, September 3, 2023</a:t>
             </a:fld>
             <a:endParaRPr lang="en-US"/>
           </a:p>
@@ -2960,7 +2984,7 @@
               <a:pPr>
                 <a:defRPr/>
               </a:pPr>
-              <a:t>Sunday, November 6, 2022</a:t>
+              <a:t>Sunday, September 3, 2023</a:t>
             </a:fld>
             <a:endParaRPr lang="en-US"/>
           </a:p>
@@ -3260,7 +3284,7 @@
               <a:pPr>
                 <a:defRPr/>
               </a:pPr>
-              <a:t>Sunday, November 6, 2022</a:t>
+              <a:t>Sunday, September 3, 2023</a:t>
             </a:fld>
             <a:endParaRPr lang="en-US"/>
           </a:p>
@@ -3694,7 +3718,7 @@
               <a:pPr>
                 <a:defRPr/>
               </a:pPr>
-              <a:t>Sunday, November 6, 2022</a:t>
+              <a:t>Sunday, September 3, 2023</a:t>
             </a:fld>
             <a:endParaRPr lang="en-US"/>
           </a:p>
@@ -3826,7 +3850,7 @@
               <a:pPr>
                 <a:defRPr/>
               </a:pPr>
-              <a:t>Sunday, November 6, 2022</a:t>
+              <a:t>Sunday, September 3, 2023</a:t>
             </a:fld>
             <a:endParaRPr lang="en-US"/>
           </a:p>
@@ -3936,7 +3960,7 @@
               <a:pPr>
                 <a:defRPr/>
               </a:pPr>
-              <a:t>Sunday, November 6, 2022</a:t>
+              <a:t>Sunday, September 3, 2023</a:t>
             </a:fld>
             <a:endParaRPr lang="en-US"/>
           </a:p>
@@ -4226,7 +4250,7 @@
               <a:pPr>
                 <a:defRPr/>
               </a:pPr>
-              <a:t>Sunday, November 6, 2022</a:t>
+              <a:t>Sunday, September 3, 2023</a:t>
             </a:fld>
             <a:endParaRPr lang="en-US"/>
           </a:p>
@@ -4493,7 +4517,7 @@
               <a:pPr>
                 <a:defRPr/>
               </a:pPr>
-              <a:t>Sunday, November 6, 2022</a:t>
+              <a:t>Sunday, September 3, 2023</a:t>
             </a:fld>
             <a:endParaRPr lang="en-US"/>
           </a:p>
@@ -4719,7 +4743,7 @@
               <a:pPr>
                 <a:defRPr/>
               </a:pPr>
-              <a:t>Sunday, November 6, 2022</a:t>
+              <a:t>Sunday, September 3, 2023</a:t>
             </a:fld>
             <a:endParaRPr lang="en-US"/>
           </a:p>
@@ -5264,6 +5288,77 @@
               <a:t>PracticeMergeSortSimpleSolution</a:t>
             </a:r>
             <a:endParaRPr lang="en-US" sz="2400" i="1" dirty="0"/>
+          </a:p>
+        </p:txBody>
+      </p:sp>
+      <p:sp>
+        <p:nvSpPr>
+          <p:cNvPr id="3" name="TextBox 2">
+            <a:extLst>
+              <a:ext uri="{FF2B5EF4-FFF2-40B4-BE49-F238E27FC236}">
+                <a16:creationId xmlns:a16="http://schemas.microsoft.com/office/drawing/2014/main" id="{DAAFB956-898E-B06E-D194-66ACA3A5F551}"/>
+              </a:ext>
+            </a:extLst>
+          </p:cNvPr>
+          <p:cNvSpPr txBox="1"/>
+          <p:nvPr/>
+        </p:nvSpPr>
+        <p:spPr>
+          <a:xfrm>
+            <a:off x="3048001" y="-20697"/>
+            <a:ext cx="5903496" cy="1046440"/>
+          </a:xfrm>
+          <a:prstGeom prst="rect">
+            <a:avLst/>
+          </a:prstGeom>
+          <a:noFill/>
+          <a:ln w="12700" cap="flat">
+            <a:noFill/>
+            <a:miter lim="400000"/>
+          </a:ln>
+          <a:effectLst/>
+        </p:spPr>
+        <p:style>
+          <a:lnRef idx="0">
+            <a:scrgbClr r="0" g="0" b="0"/>
+          </a:lnRef>
+          <a:fillRef idx="0">
+            <a:scrgbClr r="0" g="0" b="0"/>
+          </a:fillRef>
+          <a:effectRef idx="0">
+            <a:scrgbClr r="0" g="0" b="0"/>
+          </a:effectRef>
+          <a:fontRef idx="none"/>
+        </p:style>
+        <p:txBody>
+          <a:bodyPr wrap="square">
+            <a:spAutoFit/>
+          </a:bodyPr>
+          <a:lstStyle/>
+          <a:p>
+            <a:r>
+              <a:rPr lang="en-US" dirty="0">
+                <a:highlight>
+                  <a:srgbClr val="FFFF00"/>
+                </a:highlight>
+              </a:rPr>
+              <a:t>Today’s Attendance password</a:t>
+            </a:r>
+          </a:p>
+          <a:p>
+            <a:r>
+              <a:rPr lang="en-US" sz="4400">
+                <a:highlight>
+                  <a:srgbClr val="FFFF00"/>
+                </a:highlight>
+              </a:rPr>
+              <a:t>merging</a:t>
+            </a:r>
+            <a:endParaRPr lang="en-US" sz="4400" dirty="0">
+              <a:highlight>
+                <a:srgbClr val="FFFF00"/>
+              </a:highlight>
+            </a:endParaRPr>
           </a:p>
         </p:txBody>
       </p:sp>
@@ -9876,18 +9971,18 @@
 </file>
 
 <file path=customXml/item1.xml><?xml version="1.0" encoding="utf-8"?>
-<p:properties xmlns:p="http://schemas.microsoft.com/office/2006/metadata/properties" xmlns:xsi="http://www.w3.org/2001/XMLSchema-instance" xmlns:pc="http://schemas.microsoft.com/office/infopath/2007/PartnerControls">
-  <documentManagement/>
-</p:properties>
-</file>
-
-<file path=customXml/item2.xml><?xml version="1.0" encoding="utf-8"?>
 <?mso-contentType ?>
 <FormTemplates xmlns="http://schemas.microsoft.com/sharepoint/v3/contenttype/forms">
   <Display>DocumentLibraryForm</Display>
   <Edit>DocumentLibraryForm</Edit>
   <New>DocumentLibraryForm</New>
 </FormTemplates>
+</file>
+
+<file path=customXml/item2.xml><?xml version="1.0" encoding="utf-8"?>
+<p:properties xmlns:p="http://schemas.microsoft.com/office/2006/metadata/properties" xmlns:xsi="http://www.w3.org/2001/XMLSchema-instance" xmlns:pc="http://schemas.microsoft.com/office/infopath/2007/PartnerControls">
+  <documentManagement/>
+</p:properties>
 </file>
 
 <file path=customXml/item3.xml><?xml version="1.0" encoding="utf-8"?>
@@ -10075,18 +10170,18 @@
 </file>
 
 <file path=customXml/itemProps1.xml><?xml version="1.0" encoding="utf-8"?>
-<ds:datastoreItem xmlns:ds="http://schemas.openxmlformats.org/officeDocument/2006/customXml" ds:itemID="{8BFBE333-608A-46DF-A4AF-FE0B5801DEF9}">
+<ds:datastoreItem xmlns:ds="http://schemas.openxmlformats.org/officeDocument/2006/customXml" ds:itemID="{B672D072-43D2-4244-93B0-C6CB1ACF616A}">
   <ds:schemaRefs>
-    <ds:schemaRef ds:uri="http://schemas.microsoft.com/office/2006/metadata/properties"/>
-    <ds:schemaRef ds:uri="http://schemas.microsoft.com/office/infopath/2007/PartnerControls"/>
+    <ds:schemaRef ds:uri="http://schemas.microsoft.com/sharepoint/v3/contenttype/forms"/>
   </ds:schemaRefs>
 </ds:datastoreItem>
 </file>
 
 <file path=customXml/itemProps2.xml><?xml version="1.0" encoding="utf-8"?>
-<ds:datastoreItem xmlns:ds="http://schemas.openxmlformats.org/officeDocument/2006/customXml" ds:itemID="{B672D072-43D2-4244-93B0-C6CB1ACF616A}">
+<ds:datastoreItem xmlns:ds="http://schemas.openxmlformats.org/officeDocument/2006/customXml" ds:itemID="{8BFBE333-608A-46DF-A4AF-FE0B5801DEF9}">
   <ds:schemaRefs>
-    <ds:schemaRef ds:uri="http://schemas.microsoft.com/sharepoint/v3/contenttype/forms"/>
+    <ds:schemaRef ds:uri="http://schemas.microsoft.com/office/2006/metadata/properties"/>
+    <ds:schemaRef ds:uri="http://schemas.microsoft.com/office/infopath/2007/PartnerControls"/>
   </ds:schemaRefs>
 </ds:datastoreItem>
 </file>

--- a/ClassMaterials/MergeSort/Slides/Part1-MergeSort.pptx
+++ b/ClassMaterials/MergeSort/Slides/Part1-MergeSort.pptx
@@ -181,37 +181,13 @@
 <file path=ppt/revisionInfo.xml><?xml version="1.0" encoding="utf-8"?>
 <p1510:revInfo xmlns:a="http://schemas.openxmlformats.org/drawingml/2006/main" xmlns:r="http://schemas.openxmlformats.org/officeDocument/2006/relationships" xmlns:p1510="http://schemas.microsoft.com/office/powerpoint/2015/10/main">
   <p1510:revLst>
-    <p1510:client id="{D3F16C35-7113-468F-9417-58656C44C90E}" v="1" dt="2023-09-03T17:55:47.175"/>
+    <p1510:client id="{78BC636A-2F28-42CF-9AB8-1476136029BF}" v="5" dt="2021-11-09T14:26:06.271"/>
   </p1510:revLst>
 </p1510:revInfo>
 </file>
 
 <file path=ppt/changesInfos/changesInfo1.xml><?xml version="1.0" encoding="utf-8"?>
 <pc:chgInfo xmlns:a="http://schemas.openxmlformats.org/drawingml/2006/main" xmlns:r="http://schemas.openxmlformats.org/officeDocument/2006/relationships" xmlns:ac="http://schemas.microsoft.com/office/drawing/2013/main/command" xmlns:pc="http://schemas.microsoft.com/office/powerpoint/2013/main/command">
-  <pc:docChgLst>
-    <pc:chgData name="Yoder, Jason" userId="28f4d4d8-da04-4f86-b14d-a21675737bc5" providerId="ADAL" clId="{D3F16C35-7113-468F-9417-58656C44C90E}"/>
-    <pc:docChg chg="modSld">
-      <pc:chgData name="Yoder, Jason" userId="28f4d4d8-da04-4f86-b14d-a21675737bc5" providerId="ADAL" clId="{D3F16C35-7113-468F-9417-58656C44C90E}" dt="2023-09-03T17:55:50.727" v="7" actId="20577"/>
-      <pc:docMkLst>
-        <pc:docMk/>
-      </pc:docMkLst>
-      <pc:sldChg chg="addSp modSp mod">
-        <pc:chgData name="Yoder, Jason" userId="28f4d4d8-da04-4f86-b14d-a21675737bc5" providerId="ADAL" clId="{D3F16C35-7113-468F-9417-58656C44C90E}" dt="2023-09-03T17:55:50.727" v="7" actId="20577"/>
-        <pc:sldMkLst>
-          <pc:docMk/>
-          <pc:sldMk cId="0" sldId="304"/>
-        </pc:sldMkLst>
-        <pc:spChg chg="add mod">
-          <ac:chgData name="Yoder, Jason" userId="28f4d4d8-da04-4f86-b14d-a21675737bc5" providerId="ADAL" clId="{D3F16C35-7113-468F-9417-58656C44C90E}" dt="2023-09-03T17:55:50.727" v="7" actId="20577"/>
-          <ac:spMkLst>
-            <pc:docMk/>
-            <pc:sldMk cId="0" sldId="304"/>
-            <ac:spMk id="3" creationId="{DAAFB956-898E-B06E-D194-66ACA3A5F551}"/>
-          </ac:spMkLst>
-        </pc:spChg>
-      </pc:sldChg>
-    </pc:docChg>
-  </pc:docChgLst>
   <pc:docChgLst>
     <pc:chgData name="Dorsey, Cameron" userId="S::dorseycs@rose-hulman.edu::e3fdc538-7733-41a8-91e6-3ff377dfa323" providerId="AD" clId="Web-{78BC636A-2F28-42CF-9AB8-1476136029BF}"/>
     <pc:docChg chg="modSld">
@@ -379,7 +355,7 @@
               <a:pPr>
                 <a:defRPr/>
               </a:pPr>
-              <a:t>9/3/2023</a:t>
+              <a:t>11/6/22</a:t>
             </a:fld>
             <a:endParaRPr lang="en-US"/>
           </a:p>
@@ -614,7 +590,7 @@
               <a:pPr>
                 <a:defRPr/>
               </a:pPr>
-              <a:t>9/3/2023</a:t>
+              <a:t>11/6/22</a:t>
             </a:fld>
             <a:endParaRPr lang="en-US"/>
           </a:p>
@@ -2165,7 +2141,7 @@
               <a:pPr>
                 <a:defRPr/>
               </a:pPr>
-              <a:t>Sunday, September 3, 2023</a:t>
+              <a:t>Sunday, November 6, 2022</a:t>
             </a:fld>
             <a:endParaRPr lang="en-US"/>
           </a:p>
@@ -2348,7 +2324,7 @@
               <a:pPr>
                 <a:defRPr/>
               </a:pPr>
-              <a:t>Sunday, September 3, 2023</a:t>
+              <a:t>Sunday, November 6, 2022</a:t>
             </a:fld>
             <a:endParaRPr lang="en-US"/>
           </a:p>
@@ -2541,7 +2517,7 @@
               <a:pPr>
                 <a:defRPr/>
               </a:pPr>
-              <a:t>Sunday, September 3, 2023</a:t>
+              <a:t>Sunday, November 6, 2022</a:t>
             </a:fld>
             <a:endParaRPr lang="en-US"/>
           </a:p>
@@ -2724,7 +2700,7 @@
               <a:pPr>
                 <a:defRPr/>
               </a:pPr>
-              <a:t>Sunday, September 3, 2023</a:t>
+              <a:t>Sunday, November 6, 2022</a:t>
             </a:fld>
             <a:endParaRPr lang="en-US"/>
           </a:p>
@@ -2984,7 +2960,7 @@
               <a:pPr>
                 <a:defRPr/>
               </a:pPr>
-              <a:t>Sunday, September 3, 2023</a:t>
+              <a:t>Sunday, November 6, 2022</a:t>
             </a:fld>
             <a:endParaRPr lang="en-US"/>
           </a:p>
@@ -3284,7 +3260,7 @@
               <a:pPr>
                 <a:defRPr/>
               </a:pPr>
-              <a:t>Sunday, September 3, 2023</a:t>
+              <a:t>Sunday, November 6, 2022</a:t>
             </a:fld>
             <a:endParaRPr lang="en-US"/>
           </a:p>
@@ -3718,7 +3694,7 @@
               <a:pPr>
                 <a:defRPr/>
               </a:pPr>
-              <a:t>Sunday, September 3, 2023</a:t>
+              <a:t>Sunday, November 6, 2022</a:t>
             </a:fld>
             <a:endParaRPr lang="en-US"/>
           </a:p>
@@ -3850,7 +3826,7 @@
               <a:pPr>
                 <a:defRPr/>
               </a:pPr>
-              <a:t>Sunday, September 3, 2023</a:t>
+              <a:t>Sunday, November 6, 2022</a:t>
             </a:fld>
             <a:endParaRPr lang="en-US"/>
           </a:p>
@@ -3960,7 +3936,7 @@
               <a:pPr>
                 <a:defRPr/>
               </a:pPr>
-              <a:t>Sunday, September 3, 2023</a:t>
+              <a:t>Sunday, November 6, 2022</a:t>
             </a:fld>
             <a:endParaRPr lang="en-US"/>
           </a:p>
@@ -4250,7 +4226,7 @@
               <a:pPr>
                 <a:defRPr/>
               </a:pPr>
-              <a:t>Sunday, September 3, 2023</a:t>
+              <a:t>Sunday, November 6, 2022</a:t>
             </a:fld>
             <a:endParaRPr lang="en-US"/>
           </a:p>
@@ -4517,7 +4493,7 @@
               <a:pPr>
                 <a:defRPr/>
               </a:pPr>
-              <a:t>Sunday, September 3, 2023</a:t>
+              <a:t>Sunday, November 6, 2022</a:t>
             </a:fld>
             <a:endParaRPr lang="en-US"/>
           </a:p>
@@ -4743,7 +4719,7 @@
               <a:pPr>
                 <a:defRPr/>
               </a:pPr>
-              <a:t>Sunday, September 3, 2023</a:t>
+              <a:t>Sunday, November 6, 2022</a:t>
             </a:fld>
             <a:endParaRPr lang="en-US"/>
           </a:p>
@@ -5288,77 +5264,6 @@
               <a:t>PracticeMergeSortSimpleSolution</a:t>
             </a:r>
             <a:endParaRPr lang="en-US" sz="2400" i="1" dirty="0"/>
-          </a:p>
-        </p:txBody>
-      </p:sp>
-      <p:sp>
-        <p:nvSpPr>
-          <p:cNvPr id="3" name="TextBox 2">
-            <a:extLst>
-              <a:ext uri="{FF2B5EF4-FFF2-40B4-BE49-F238E27FC236}">
-                <a16:creationId xmlns:a16="http://schemas.microsoft.com/office/drawing/2014/main" id="{DAAFB956-898E-B06E-D194-66ACA3A5F551}"/>
-              </a:ext>
-            </a:extLst>
-          </p:cNvPr>
-          <p:cNvSpPr txBox="1"/>
-          <p:nvPr/>
-        </p:nvSpPr>
-        <p:spPr>
-          <a:xfrm>
-            <a:off x="3048001" y="-20697"/>
-            <a:ext cx="5903496" cy="1046440"/>
-          </a:xfrm>
-          <a:prstGeom prst="rect">
-            <a:avLst/>
-          </a:prstGeom>
-          <a:noFill/>
-          <a:ln w="12700" cap="flat">
-            <a:noFill/>
-            <a:miter lim="400000"/>
-          </a:ln>
-          <a:effectLst/>
-        </p:spPr>
-        <p:style>
-          <a:lnRef idx="0">
-            <a:scrgbClr r="0" g="0" b="0"/>
-          </a:lnRef>
-          <a:fillRef idx="0">
-            <a:scrgbClr r="0" g="0" b="0"/>
-          </a:fillRef>
-          <a:effectRef idx="0">
-            <a:scrgbClr r="0" g="0" b="0"/>
-          </a:effectRef>
-          <a:fontRef idx="none"/>
-        </p:style>
-        <p:txBody>
-          <a:bodyPr wrap="square">
-            <a:spAutoFit/>
-          </a:bodyPr>
-          <a:lstStyle/>
-          <a:p>
-            <a:r>
-              <a:rPr lang="en-US" dirty="0">
-                <a:highlight>
-                  <a:srgbClr val="FFFF00"/>
-                </a:highlight>
-              </a:rPr>
-              <a:t>Today’s Attendance password</a:t>
-            </a:r>
-          </a:p>
-          <a:p>
-            <a:r>
-              <a:rPr lang="en-US" sz="4400">
-                <a:highlight>
-                  <a:srgbClr val="FFFF00"/>
-                </a:highlight>
-              </a:rPr>
-              <a:t>merging</a:t>
-            </a:r>
-            <a:endParaRPr lang="en-US" sz="4400" dirty="0">
-              <a:highlight>
-                <a:srgbClr val="FFFF00"/>
-              </a:highlight>
-            </a:endParaRPr>
           </a:p>
         </p:txBody>
       </p:sp>
@@ -9971,18 +9876,18 @@
 </file>
 
 <file path=customXml/item1.xml><?xml version="1.0" encoding="utf-8"?>
+<p:properties xmlns:p="http://schemas.microsoft.com/office/2006/metadata/properties" xmlns:xsi="http://www.w3.org/2001/XMLSchema-instance" xmlns:pc="http://schemas.microsoft.com/office/infopath/2007/PartnerControls">
+  <documentManagement/>
+</p:properties>
+</file>
+
+<file path=customXml/item2.xml><?xml version="1.0" encoding="utf-8"?>
 <?mso-contentType ?>
 <FormTemplates xmlns="http://schemas.microsoft.com/sharepoint/v3/contenttype/forms">
   <Display>DocumentLibraryForm</Display>
   <Edit>DocumentLibraryForm</Edit>
   <New>DocumentLibraryForm</New>
 </FormTemplates>
-</file>
-
-<file path=customXml/item2.xml><?xml version="1.0" encoding="utf-8"?>
-<p:properties xmlns:p="http://schemas.microsoft.com/office/2006/metadata/properties" xmlns:xsi="http://www.w3.org/2001/XMLSchema-instance" xmlns:pc="http://schemas.microsoft.com/office/infopath/2007/PartnerControls">
-  <documentManagement/>
-</p:properties>
 </file>
 
 <file path=customXml/item3.xml><?xml version="1.0" encoding="utf-8"?>
@@ -10170,18 +10075,18 @@
 </file>
 
 <file path=customXml/itemProps1.xml><?xml version="1.0" encoding="utf-8"?>
-<ds:datastoreItem xmlns:ds="http://schemas.openxmlformats.org/officeDocument/2006/customXml" ds:itemID="{B672D072-43D2-4244-93B0-C6CB1ACF616A}">
+<ds:datastoreItem xmlns:ds="http://schemas.openxmlformats.org/officeDocument/2006/customXml" ds:itemID="{8BFBE333-608A-46DF-A4AF-FE0B5801DEF9}">
   <ds:schemaRefs>
-    <ds:schemaRef ds:uri="http://schemas.microsoft.com/sharepoint/v3/contenttype/forms"/>
+    <ds:schemaRef ds:uri="http://schemas.microsoft.com/office/2006/metadata/properties"/>
+    <ds:schemaRef ds:uri="http://schemas.microsoft.com/office/infopath/2007/PartnerControls"/>
   </ds:schemaRefs>
 </ds:datastoreItem>
 </file>
 
 <file path=customXml/itemProps2.xml><?xml version="1.0" encoding="utf-8"?>
-<ds:datastoreItem xmlns:ds="http://schemas.openxmlformats.org/officeDocument/2006/customXml" ds:itemID="{8BFBE333-608A-46DF-A4AF-FE0B5801DEF9}">
+<ds:datastoreItem xmlns:ds="http://schemas.openxmlformats.org/officeDocument/2006/customXml" ds:itemID="{B672D072-43D2-4244-93B0-C6CB1ACF616A}">
   <ds:schemaRefs>
-    <ds:schemaRef ds:uri="http://schemas.microsoft.com/office/2006/metadata/properties"/>
-    <ds:schemaRef ds:uri="http://schemas.microsoft.com/office/infopath/2007/PartnerControls"/>
+    <ds:schemaRef ds:uri="http://schemas.microsoft.com/sharepoint/v3/contenttype/forms"/>
   </ds:schemaRefs>
 </ds:datastoreItem>
 </file>

--- a/ClassMaterials/MergeSort/Slides/Part1-MergeSort.pptx
+++ b/ClassMaterials/MergeSort/Slides/Part1-MergeSort.pptx
@@ -178,14 +178,6 @@
 </p:cmAuthorLst>
 </file>
 
-<file path=ppt/revisionInfo.xml><?xml version="1.0" encoding="utf-8"?>
-<p1510:revInfo xmlns:a="http://schemas.openxmlformats.org/drawingml/2006/main" xmlns:r="http://schemas.openxmlformats.org/officeDocument/2006/relationships" xmlns:p1510="http://schemas.microsoft.com/office/powerpoint/2015/10/main">
-  <p1510:revLst>
-    <p1510:client id="{D3F16C35-7113-468F-9417-58656C44C90E}" v="1" dt="2023-09-03T17:55:47.175"/>
-  </p1510:revLst>
-</p1510:revInfo>
-</file>
-
 <file path=ppt/changesInfos/changesInfo1.xml><?xml version="1.0" encoding="utf-8"?>
 <pc:chgInfo xmlns:a="http://schemas.openxmlformats.org/drawingml/2006/main" xmlns:r="http://schemas.openxmlformats.org/officeDocument/2006/relationships" xmlns:ac="http://schemas.microsoft.com/office/drawing/2013/main/command" xmlns:pc="http://schemas.microsoft.com/office/powerpoint/2013/main/command">
   <pc:docChgLst>
@@ -207,6 +199,38 @@
             <pc:docMk/>
             <pc:sldMk cId="0" sldId="304"/>
             <ac:spMk id="3" creationId="{DAAFB956-898E-B06E-D194-66ACA3A5F551}"/>
+          </ac:spMkLst>
+        </pc:spChg>
+      </pc:sldChg>
+    </pc:docChg>
+  </pc:docChgLst>
+  <pc:docChgLst>
+    <pc:chgData name="Yoder, Jason" userId="28f4d4d8-da04-4f86-b14d-a21675737bc5" providerId="ADAL" clId="{007A9A50-B83D-4767-A6DA-EDA4F9291D2C}"/>
+    <pc:docChg chg="modSld">
+      <pc:chgData name="Yoder, Jason" userId="28f4d4d8-da04-4f86-b14d-a21675737bc5" providerId="ADAL" clId="{007A9A50-B83D-4767-A6DA-EDA4F9291D2C}" dt="2023-11-06T14:19:30.882" v="46" actId="20577"/>
+      <pc:docMkLst>
+        <pc:docMk/>
+      </pc:docMkLst>
+      <pc:sldChg chg="modSp mod">
+        <pc:chgData name="Yoder, Jason" userId="28f4d4d8-da04-4f86-b14d-a21675737bc5" providerId="ADAL" clId="{007A9A50-B83D-4767-A6DA-EDA4F9291D2C}" dt="2023-11-06T14:19:30.882" v="46" actId="20577"/>
+        <pc:sldMkLst>
+          <pc:docMk/>
+          <pc:sldMk cId="0" sldId="304"/>
+        </pc:sldMkLst>
+        <pc:spChg chg="mod">
+          <ac:chgData name="Yoder, Jason" userId="28f4d4d8-da04-4f86-b14d-a21675737bc5" providerId="ADAL" clId="{007A9A50-B83D-4767-A6DA-EDA4F9291D2C}" dt="2023-11-06T14:19:30.882" v="46" actId="20577"/>
+          <ac:spMkLst>
+            <pc:docMk/>
+            <pc:sldMk cId="0" sldId="304"/>
+            <ac:spMk id="3" creationId="{DAAFB956-898E-B06E-D194-66ACA3A5F551}"/>
+          </ac:spMkLst>
+        </pc:spChg>
+        <pc:spChg chg="mod">
+          <ac:chgData name="Yoder, Jason" userId="28f4d4d8-da04-4f86-b14d-a21675737bc5" providerId="ADAL" clId="{007A9A50-B83D-4767-A6DA-EDA4F9291D2C}" dt="2023-11-06T12:56:45.514" v="36" actId="20577"/>
+          <ac:spMkLst>
+            <pc:docMk/>
+            <pc:sldMk cId="0" sldId="304"/>
+            <ac:spMk id="5" creationId="{0CAE7307-1561-AB49-AE8E-CD9D14D77EEA}"/>
           </ac:spMkLst>
         </pc:spChg>
       </pc:sldChg>
@@ -379,7 +403,7 @@
               <a:pPr>
                 <a:defRPr/>
               </a:pPr>
-              <a:t>9/3/2023</a:t>
+              <a:t>11/6/2023</a:t>
             </a:fld>
             <a:endParaRPr lang="en-US"/>
           </a:p>
@@ -614,7 +638,7 @@
               <a:pPr>
                 <a:defRPr/>
               </a:pPr>
-              <a:t>9/3/2023</a:t>
+              <a:t>11/6/2023</a:t>
             </a:fld>
             <a:endParaRPr lang="en-US"/>
           </a:p>
@@ -2165,7 +2189,7 @@
               <a:pPr>
                 <a:defRPr/>
               </a:pPr>
-              <a:t>Sunday, September 3, 2023</a:t>
+              <a:t>Monday, November 6, 2023</a:t>
             </a:fld>
             <a:endParaRPr lang="en-US"/>
           </a:p>
@@ -2348,7 +2372,7 @@
               <a:pPr>
                 <a:defRPr/>
               </a:pPr>
-              <a:t>Sunday, September 3, 2023</a:t>
+              <a:t>Monday, November 6, 2023</a:t>
             </a:fld>
             <a:endParaRPr lang="en-US"/>
           </a:p>
@@ -2541,7 +2565,7 @@
               <a:pPr>
                 <a:defRPr/>
               </a:pPr>
-              <a:t>Sunday, September 3, 2023</a:t>
+              <a:t>Monday, November 6, 2023</a:t>
             </a:fld>
             <a:endParaRPr lang="en-US"/>
           </a:p>
@@ -2724,7 +2748,7 @@
               <a:pPr>
                 <a:defRPr/>
               </a:pPr>
-              <a:t>Sunday, September 3, 2023</a:t>
+              <a:t>Monday, November 6, 2023</a:t>
             </a:fld>
             <a:endParaRPr lang="en-US"/>
           </a:p>
@@ -2984,7 +3008,7 @@
               <a:pPr>
                 <a:defRPr/>
               </a:pPr>
-              <a:t>Sunday, September 3, 2023</a:t>
+              <a:t>Monday, November 6, 2023</a:t>
             </a:fld>
             <a:endParaRPr lang="en-US"/>
           </a:p>
@@ -3284,7 +3308,7 @@
               <a:pPr>
                 <a:defRPr/>
               </a:pPr>
-              <a:t>Sunday, September 3, 2023</a:t>
+              <a:t>Monday, November 6, 2023</a:t>
             </a:fld>
             <a:endParaRPr lang="en-US"/>
           </a:p>
@@ -3718,7 +3742,7 @@
               <a:pPr>
                 <a:defRPr/>
               </a:pPr>
-              <a:t>Sunday, September 3, 2023</a:t>
+              <a:t>Monday, November 6, 2023</a:t>
             </a:fld>
             <a:endParaRPr lang="en-US"/>
           </a:p>
@@ -3850,7 +3874,7 @@
               <a:pPr>
                 <a:defRPr/>
               </a:pPr>
-              <a:t>Sunday, September 3, 2023</a:t>
+              <a:t>Monday, November 6, 2023</a:t>
             </a:fld>
             <a:endParaRPr lang="en-US"/>
           </a:p>
@@ -3960,7 +3984,7 @@
               <a:pPr>
                 <a:defRPr/>
               </a:pPr>
-              <a:t>Sunday, September 3, 2023</a:t>
+              <a:t>Monday, November 6, 2023</a:t>
             </a:fld>
             <a:endParaRPr lang="en-US"/>
           </a:p>
@@ -4250,7 +4274,7 @@
               <a:pPr>
                 <a:defRPr/>
               </a:pPr>
-              <a:t>Sunday, September 3, 2023</a:t>
+              <a:t>Monday, November 6, 2023</a:t>
             </a:fld>
             <a:endParaRPr lang="en-US"/>
           </a:p>
@@ -4517,7 +4541,7 @@
               <a:pPr>
                 <a:defRPr/>
               </a:pPr>
-              <a:t>Sunday, September 3, 2023</a:t>
+              <a:t>Monday, November 6, 2023</a:t>
             </a:fld>
             <a:endParaRPr lang="en-US"/>
           </a:p>
@@ -4743,7 +4767,7 @@
               <a:pPr>
                 <a:defRPr/>
               </a:pPr>
-              <a:t>Sunday, September 3, 2023</a:t>
+              <a:t>Monday, November 6, 2023</a:t>
             </a:fld>
             <a:endParaRPr lang="en-US"/>
           </a:p>
@@ -5212,8 +5236,8 @@
         </p:nvSpPr>
         <p:spPr>
           <a:xfrm>
-            <a:off x="304800" y="4991100"/>
-            <a:ext cx="8534400" cy="1295400"/>
+            <a:off x="304800" y="4322617"/>
+            <a:ext cx="8534400" cy="2254827"/>
           </a:xfrm>
           <a:prstGeom prst="rect">
             <a:avLst/>
@@ -5286,6 +5310,23 @@
             <a:r>
               <a:rPr lang="en-US" sz="2400" i="1" dirty="0" err="1"/>
               <a:t>PracticeMergeSortSimpleSolution</a:t>
+            </a:r>
+            <a:endParaRPr lang="en-US" sz="2400" i="1" dirty="0"/>
+          </a:p>
+          <a:p>
+            <a:r>
+              <a:rPr lang="en-US" sz="2400" dirty="0"/>
+              <a:t>The Quiz today is:</a:t>
+            </a:r>
+          </a:p>
+          <a:p>
+            <a:pPr marL="342900" indent="-342900">
+              <a:buFont typeface="Arial" panose="020B0604020202020204" pitchFamily="34" charset="0"/>
+              <a:buChar char="•"/>
+            </a:pPr>
+            <a:r>
+              <a:rPr lang="en-US" sz="2400" i="1" dirty="0" err="1"/>
+              <a:t>MergeSortQuiz</a:t>
             </a:r>
             <a:endParaRPr lang="en-US" sz="2400" i="1" dirty="0"/>
           </a:p>
@@ -5352,7 +5393,7 @@
                   <a:srgbClr val="FFFF00"/>
                 </a:highlight>
               </a:rPr>
-              <a:t>merging</a:t>
+              <a:t>__________</a:t>
             </a:r>
             <a:endParaRPr lang="en-US" sz="4400" dirty="0">
               <a:highlight>
@@ -9971,21 +10012,6 @@
 </file>
 
 <file path=customXml/item1.xml><?xml version="1.0" encoding="utf-8"?>
-<?mso-contentType ?>
-<FormTemplates xmlns="http://schemas.microsoft.com/sharepoint/v3/contenttype/forms">
-  <Display>DocumentLibraryForm</Display>
-  <Edit>DocumentLibraryForm</Edit>
-  <New>DocumentLibraryForm</New>
-</FormTemplates>
-</file>
-
-<file path=customXml/item2.xml><?xml version="1.0" encoding="utf-8"?>
-<p:properties xmlns:p="http://schemas.microsoft.com/office/2006/metadata/properties" xmlns:xsi="http://www.w3.org/2001/XMLSchema-instance" xmlns:pc="http://schemas.microsoft.com/office/infopath/2007/PartnerControls">
-  <documentManagement/>
-</p:properties>
-</file>
-
-<file path=customXml/item3.xml><?xml version="1.0" encoding="utf-8"?>
 <ct:contentTypeSchema xmlns:ct="http://schemas.microsoft.com/office/2006/metadata/contentType" xmlns:ma="http://schemas.microsoft.com/office/2006/metadata/properties/metaAttributes" ct:_="" ma:_="" ma:contentTypeName="Document" ma:contentTypeID="0x0101001570BCAAD2E4294F9443DCB038A55380" ma:contentTypeVersion="10" ma:contentTypeDescription="Create a new document." ma:contentTypeScope="" ma:versionID="84c2e02ee7a0dfaa743622fbac484332">
   <xsd:schema xmlns:xsd="http://www.w3.org/2001/XMLSchema" xmlns:xs="http://www.w3.org/2001/XMLSchema" xmlns:p="http://schemas.microsoft.com/office/2006/metadata/properties" xmlns:ns2="201674f6-2bdd-4f13-ba1e-424e4aa70473" targetNamespace="http://schemas.microsoft.com/office/2006/metadata/properties" ma:root="true" ma:fieldsID="0b220e6722f2c0d473d2d30e5cad202c" ns2:_="">
     <xsd:import namespace="201674f6-2bdd-4f13-ba1e-424e4aa70473"/>
@@ -10169,24 +10195,22 @@
 </ct:contentTypeSchema>
 </file>
 
-<file path=customXml/itemProps1.xml><?xml version="1.0" encoding="utf-8"?>
-<ds:datastoreItem xmlns:ds="http://schemas.openxmlformats.org/officeDocument/2006/customXml" ds:itemID="{B672D072-43D2-4244-93B0-C6CB1ACF616A}">
-  <ds:schemaRefs>
-    <ds:schemaRef ds:uri="http://schemas.microsoft.com/sharepoint/v3/contenttype/forms"/>
-  </ds:schemaRefs>
-</ds:datastoreItem>
+<file path=customXml/item2.xml><?xml version="1.0" encoding="utf-8"?>
+<p:properties xmlns:p="http://schemas.microsoft.com/office/2006/metadata/properties" xmlns:xsi="http://www.w3.org/2001/XMLSchema-instance" xmlns:pc="http://schemas.microsoft.com/office/infopath/2007/PartnerControls">
+  <documentManagement/>
+</p:properties>
 </file>
 
-<file path=customXml/itemProps2.xml><?xml version="1.0" encoding="utf-8"?>
-<ds:datastoreItem xmlns:ds="http://schemas.openxmlformats.org/officeDocument/2006/customXml" ds:itemID="{8BFBE333-608A-46DF-A4AF-FE0B5801DEF9}">
-  <ds:schemaRefs>
-    <ds:schemaRef ds:uri="http://schemas.microsoft.com/office/2006/metadata/properties"/>
-    <ds:schemaRef ds:uri="http://schemas.microsoft.com/office/infopath/2007/PartnerControls"/>
-  </ds:schemaRefs>
-</ds:datastoreItem>
+<file path=customXml/item3.xml><?xml version="1.0" encoding="utf-8"?>
+<?mso-contentType ?>
+<FormTemplates xmlns="http://schemas.microsoft.com/sharepoint/v3/contenttype/forms">
+  <Display>DocumentLibraryForm</Display>
+  <Edit>DocumentLibraryForm</Edit>
+  <New>DocumentLibraryForm</New>
+</FormTemplates>
 </file>
 
-<file path=customXml/itemProps3.xml><?xml version="1.0" encoding="utf-8"?>
+<file path=customXml/itemProps1.xml><?xml version="1.0" encoding="utf-8"?>
 <ds:datastoreItem xmlns:ds="http://schemas.openxmlformats.org/officeDocument/2006/customXml" ds:itemID="{6F428CFE-245D-43D8-B0D0-387487C5BF5A}">
   <ds:schemaRefs>
     <ds:schemaRef ds:uri="http://schemas.microsoft.com/office/2006/metadata/contentType"/>
@@ -10202,4 +10226,21 @@
     <ds:schemaRef ds:uri="http://schemas.microsoft.com/internal/obd"/>
   </ds:schemaRefs>
 </ds:datastoreItem>
+</file>
+
+<file path=customXml/itemProps2.xml><?xml version="1.0" encoding="utf-8"?>
+<ds:datastoreItem xmlns:ds="http://schemas.openxmlformats.org/officeDocument/2006/customXml" ds:itemID="{8BFBE333-608A-46DF-A4AF-FE0B5801DEF9}">
+  <ds:schemaRefs>
+    <ds:schemaRef ds:uri="http://schemas.microsoft.com/office/2006/metadata/properties"/>
+    <ds:schemaRef ds:uri="http://schemas.microsoft.com/office/infopath/2007/PartnerControls"/>
+  </ds:schemaRefs>
+</ds:datastoreItem>
+</file>
+
+<file path=customXml/itemProps3.xml><?xml version="1.0" encoding="utf-8"?>
+<ds:datastoreItem xmlns:ds="http://schemas.openxmlformats.org/officeDocument/2006/customXml" ds:itemID="{B672D072-43D2-4244-93B0-C6CB1ACF616A}">
+  <ds:schemaRefs>
+    <ds:schemaRef ds:uri="http://schemas.microsoft.com/sharepoint/v3/contenttype/forms"/>
+  </ds:schemaRefs>
+</ds:datastoreItem>
 </file>
--- a/ClassMaterials/MergeSort/Slides/Part1-MergeSort.pptx
+++ b/ClassMaterials/MergeSort/Slides/Part1-MergeSort.pptx
@@ -181,30 +181,6 @@
 <file path=ppt/changesInfos/changesInfo1.xml><?xml version="1.0" encoding="utf-8"?>
 <pc:chgInfo xmlns:a="http://schemas.openxmlformats.org/drawingml/2006/main" xmlns:r="http://schemas.openxmlformats.org/officeDocument/2006/relationships" xmlns:ac="http://schemas.microsoft.com/office/drawing/2013/main/command" xmlns:pc="http://schemas.microsoft.com/office/powerpoint/2013/main/command">
   <pc:docChgLst>
-    <pc:chgData name="Yoder, Jason" userId="28f4d4d8-da04-4f86-b14d-a21675737bc5" providerId="ADAL" clId="{D3F16C35-7113-468F-9417-58656C44C90E}"/>
-    <pc:docChg chg="modSld">
-      <pc:chgData name="Yoder, Jason" userId="28f4d4d8-da04-4f86-b14d-a21675737bc5" providerId="ADAL" clId="{D3F16C35-7113-468F-9417-58656C44C90E}" dt="2023-09-03T17:55:50.727" v="7" actId="20577"/>
-      <pc:docMkLst>
-        <pc:docMk/>
-      </pc:docMkLst>
-      <pc:sldChg chg="addSp modSp mod">
-        <pc:chgData name="Yoder, Jason" userId="28f4d4d8-da04-4f86-b14d-a21675737bc5" providerId="ADAL" clId="{D3F16C35-7113-468F-9417-58656C44C90E}" dt="2023-09-03T17:55:50.727" v="7" actId="20577"/>
-        <pc:sldMkLst>
-          <pc:docMk/>
-          <pc:sldMk cId="0" sldId="304"/>
-        </pc:sldMkLst>
-        <pc:spChg chg="add mod">
-          <ac:chgData name="Yoder, Jason" userId="28f4d4d8-da04-4f86-b14d-a21675737bc5" providerId="ADAL" clId="{D3F16C35-7113-468F-9417-58656C44C90E}" dt="2023-09-03T17:55:50.727" v="7" actId="20577"/>
-          <ac:spMkLst>
-            <pc:docMk/>
-            <pc:sldMk cId="0" sldId="304"/>
-            <ac:spMk id="3" creationId="{DAAFB956-898E-B06E-D194-66ACA3A5F551}"/>
-          </ac:spMkLst>
-        </pc:spChg>
-      </pc:sldChg>
-    </pc:docChg>
-  </pc:docChgLst>
-  <pc:docChgLst>
     <pc:chgData name="Yoder, Jason" userId="28f4d4d8-da04-4f86-b14d-a21675737bc5" providerId="ADAL" clId="{007A9A50-B83D-4767-A6DA-EDA4F9291D2C}"/>
     <pc:docChg chg="modSld">
       <pc:chgData name="Yoder, Jason" userId="28f4d4d8-da04-4f86-b14d-a21675737bc5" providerId="ADAL" clId="{007A9A50-B83D-4767-A6DA-EDA4F9291D2C}" dt="2023-11-06T14:19:30.882" v="46" actId="20577"/>
@@ -283,6 +259,30 @@
       </pc:sldChg>
     </pc:docChg>
   </pc:docChgLst>
+  <pc:docChgLst>
+    <pc:chgData name="Yoder, Jason" userId="28f4d4d8-da04-4f86-b14d-a21675737bc5" providerId="ADAL" clId="{D3F16C35-7113-468F-9417-58656C44C90E}"/>
+    <pc:docChg chg="modSld">
+      <pc:chgData name="Yoder, Jason" userId="28f4d4d8-da04-4f86-b14d-a21675737bc5" providerId="ADAL" clId="{D3F16C35-7113-468F-9417-58656C44C90E}" dt="2023-09-03T17:55:50.727" v="7" actId="20577"/>
+      <pc:docMkLst>
+        <pc:docMk/>
+      </pc:docMkLst>
+      <pc:sldChg chg="addSp modSp mod">
+        <pc:chgData name="Yoder, Jason" userId="28f4d4d8-da04-4f86-b14d-a21675737bc5" providerId="ADAL" clId="{D3F16C35-7113-468F-9417-58656C44C90E}" dt="2023-09-03T17:55:50.727" v="7" actId="20577"/>
+        <pc:sldMkLst>
+          <pc:docMk/>
+          <pc:sldMk cId="0" sldId="304"/>
+        </pc:sldMkLst>
+        <pc:spChg chg="add mod">
+          <ac:chgData name="Yoder, Jason" userId="28f4d4d8-da04-4f86-b14d-a21675737bc5" providerId="ADAL" clId="{D3F16C35-7113-468F-9417-58656C44C90E}" dt="2023-09-03T17:55:50.727" v="7" actId="20577"/>
+          <ac:spMkLst>
+            <pc:docMk/>
+            <pc:sldMk cId="0" sldId="304"/>
+            <ac:spMk id="3" creationId="{DAAFB956-898E-B06E-D194-66ACA3A5F551}"/>
+          </ac:spMkLst>
+        </pc:spChg>
+      </pc:sldChg>
+    </pc:docChg>
+  </pc:docChgLst>
 </pc:chgInfo>
 </file>
 
@@ -403,7 +403,7 @@
               <a:pPr>
                 <a:defRPr/>
               </a:pPr>
-              <a:t>11/6/2023</a:t>
+              <a:t>2/26/2024</a:t>
             </a:fld>
             <a:endParaRPr lang="en-US"/>
           </a:p>
@@ -638,7 +638,7 @@
               <a:pPr>
                 <a:defRPr/>
               </a:pPr>
-              <a:t>11/6/2023</a:t>
+              <a:t>2/26/2024</a:t>
             </a:fld>
             <a:endParaRPr lang="en-US"/>
           </a:p>
@@ -2189,7 +2189,7 @@
               <a:pPr>
                 <a:defRPr/>
               </a:pPr>
-              <a:t>Monday, November 6, 2023</a:t>
+              <a:t>Monday, February 26, 2024</a:t>
             </a:fld>
             <a:endParaRPr lang="en-US"/>
           </a:p>
@@ -2372,7 +2372,7 @@
               <a:pPr>
                 <a:defRPr/>
               </a:pPr>
-              <a:t>Monday, November 6, 2023</a:t>
+              <a:t>Monday, February 26, 2024</a:t>
             </a:fld>
             <a:endParaRPr lang="en-US"/>
           </a:p>
@@ -2565,7 +2565,7 @@
               <a:pPr>
                 <a:defRPr/>
               </a:pPr>
-              <a:t>Monday, November 6, 2023</a:t>
+              <a:t>Monday, February 26, 2024</a:t>
             </a:fld>
             <a:endParaRPr lang="en-US"/>
           </a:p>
@@ -2748,7 +2748,7 @@
               <a:pPr>
                 <a:defRPr/>
               </a:pPr>
-              <a:t>Monday, November 6, 2023</a:t>
+              <a:t>Monday, February 26, 2024</a:t>
             </a:fld>
             <a:endParaRPr lang="en-US"/>
           </a:p>
@@ -3008,7 +3008,7 @@
               <a:pPr>
                 <a:defRPr/>
               </a:pPr>
-              <a:t>Monday, November 6, 2023</a:t>
+              <a:t>Monday, February 26, 2024</a:t>
             </a:fld>
             <a:endParaRPr lang="en-US"/>
           </a:p>
@@ -3308,7 +3308,7 @@
               <a:pPr>
                 <a:defRPr/>
               </a:pPr>
-              <a:t>Monday, November 6, 2023</a:t>
+              <a:t>Monday, February 26, 2024</a:t>
             </a:fld>
             <a:endParaRPr lang="en-US"/>
           </a:p>
@@ -3742,7 +3742,7 @@
               <a:pPr>
                 <a:defRPr/>
               </a:pPr>
-              <a:t>Monday, November 6, 2023</a:t>
+              <a:t>Monday, February 26, 2024</a:t>
             </a:fld>
             <a:endParaRPr lang="en-US"/>
           </a:p>
@@ -3874,7 +3874,7 @@
               <a:pPr>
                 <a:defRPr/>
               </a:pPr>
-              <a:t>Monday, November 6, 2023</a:t>
+              <a:t>Monday, February 26, 2024</a:t>
             </a:fld>
             <a:endParaRPr lang="en-US"/>
           </a:p>
@@ -3984,7 +3984,7 @@
               <a:pPr>
                 <a:defRPr/>
               </a:pPr>
-              <a:t>Monday, November 6, 2023</a:t>
+              <a:t>Monday, February 26, 2024</a:t>
             </a:fld>
             <a:endParaRPr lang="en-US"/>
           </a:p>
@@ -4274,7 +4274,7 @@
               <a:pPr>
                 <a:defRPr/>
               </a:pPr>
-              <a:t>Monday, November 6, 2023</a:t>
+              <a:t>Monday, February 26, 2024</a:t>
             </a:fld>
             <a:endParaRPr lang="en-US"/>
           </a:p>
@@ -4541,7 +4541,7 @@
               <a:pPr>
                 <a:defRPr/>
               </a:pPr>
-              <a:t>Monday, November 6, 2023</a:t>
+              <a:t>Monday, February 26, 2024</a:t>
             </a:fld>
             <a:endParaRPr lang="en-US"/>
           </a:p>
@@ -4767,7 +4767,7 @@
               <a:pPr>
                 <a:defRPr/>
               </a:pPr>
-              <a:t>Monday, November 6, 2023</a:t>
+              <a:t>Monday, February 26, 2024</a:t>
             </a:fld>
             <a:endParaRPr lang="en-US"/>
           </a:p>
@@ -5388,18 +5388,13 @@
           </a:p>
           <a:p>
             <a:r>
-              <a:rPr lang="en-US" sz="4400">
+              <a:rPr lang="en-US" sz="4400" dirty="0">
                 <a:highlight>
                   <a:srgbClr val="FFFF00"/>
                 </a:highlight>
               </a:rPr>
-              <a:t>__________</a:t>
-            </a:r>
-            <a:endParaRPr lang="en-US" sz="4400" dirty="0">
-              <a:highlight>
-                <a:srgbClr val="FFFF00"/>
-              </a:highlight>
-            </a:endParaRPr>
+              <a:t>____________</a:t>
+            </a:r>
           </a:p>
         </p:txBody>
       </p:sp>
@@ -9122,10 +9117,10 @@
       </p:sp>
       <p:pic>
         <p:nvPicPr>
-          <p:cNvPr id="4" name="Picture 3">
+          <p:cNvPr id="8" name="Picture 7">
             <a:extLst>
               <a:ext uri="{FF2B5EF4-FFF2-40B4-BE49-F238E27FC236}">
-                <a16:creationId xmlns:a16="http://schemas.microsoft.com/office/drawing/2014/main" id="{693B0F78-BDD3-68A4-18EE-9AD83B4B882F}"/>
+                <a16:creationId xmlns:a16="http://schemas.microsoft.com/office/drawing/2014/main" id="{C9F2C6C0-75CE-22A5-A892-0B21EAF626DD}"/>
               </a:ext>
             </a:extLst>
           </p:cNvPr>
@@ -9142,12 +9137,17 @@
         </p:blipFill>
         <p:spPr>
           <a:xfrm>
-            <a:off x="4359728" y="3417207"/>
-            <a:ext cx="4343400" cy="2070100"/>
+            <a:off x="4446676" y="3863181"/>
+            <a:ext cx="2848373" cy="1733792"/>
           </a:xfrm>
           <a:prstGeom prst="rect">
             <a:avLst/>
           </a:prstGeom>
+          <a:ln>
+            <a:solidFill>
+              <a:srgbClr val="0070C0"/>
+            </a:solidFill>
+          </a:ln>
         </p:spPr>
       </p:pic>
     </p:spTree>
@@ -10012,6 +10012,12 @@
 </file>
 
 <file path=customXml/item1.xml><?xml version="1.0" encoding="utf-8"?>
+<p:properties xmlns:p="http://schemas.microsoft.com/office/2006/metadata/properties" xmlns:xsi="http://www.w3.org/2001/XMLSchema-instance" xmlns:pc="http://schemas.microsoft.com/office/infopath/2007/PartnerControls">
+  <documentManagement/>
+</p:properties>
+</file>
+
+<file path=customXml/item2.xml><?xml version="1.0" encoding="utf-8"?>
 <ct:contentTypeSchema xmlns:ct="http://schemas.microsoft.com/office/2006/metadata/contentType" xmlns:ma="http://schemas.microsoft.com/office/2006/metadata/properties/metaAttributes" ct:_="" ma:_="" ma:contentTypeName="Document" ma:contentTypeID="0x0101001570BCAAD2E4294F9443DCB038A55380" ma:contentTypeVersion="10" ma:contentTypeDescription="Create a new document." ma:contentTypeScope="" ma:versionID="84c2e02ee7a0dfaa743622fbac484332">
   <xsd:schema xmlns:xsd="http://www.w3.org/2001/XMLSchema" xmlns:xs="http://www.w3.org/2001/XMLSchema" xmlns:p="http://schemas.microsoft.com/office/2006/metadata/properties" xmlns:ns2="201674f6-2bdd-4f13-ba1e-424e4aa70473" targetNamespace="http://schemas.microsoft.com/office/2006/metadata/properties" ma:root="true" ma:fieldsID="0b220e6722f2c0d473d2d30e5cad202c" ns2:_="">
     <xsd:import namespace="201674f6-2bdd-4f13-ba1e-424e4aa70473"/>
@@ -10195,12 +10201,6 @@
 </ct:contentTypeSchema>
 </file>
 
-<file path=customXml/item2.xml><?xml version="1.0" encoding="utf-8"?>
-<p:properties xmlns:p="http://schemas.microsoft.com/office/2006/metadata/properties" xmlns:xsi="http://www.w3.org/2001/XMLSchema-instance" xmlns:pc="http://schemas.microsoft.com/office/infopath/2007/PartnerControls">
-  <documentManagement/>
-</p:properties>
-</file>
-
 <file path=customXml/item3.xml><?xml version="1.0" encoding="utf-8"?>
 <?mso-contentType ?>
 <FormTemplates xmlns="http://schemas.microsoft.com/sharepoint/v3/contenttype/forms">
@@ -10211,6 +10211,15 @@
 </file>
 
 <file path=customXml/itemProps1.xml><?xml version="1.0" encoding="utf-8"?>
+<ds:datastoreItem xmlns:ds="http://schemas.openxmlformats.org/officeDocument/2006/customXml" ds:itemID="{8BFBE333-608A-46DF-A4AF-FE0B5801DEF9}">
+  <ds:schemaRefs>
+    <ds:schemaRef ds:uri="http://schemas.microsoft.com/office/2006/metadata/properties"/>
+    <ds:schemaRef ds:uri="http://schemas.microsoft.com/office/infopath/2007/PartnerControls"/>
+  </ds:schemaRefs>
+</ds:datastoreItem>
+</file>
+
+<file path=customXml/itemProps2.xml><?xml version="1.0" encoding="utf-8"?>
 <ds:datastoreItem xmlns:ds="http://schemas.openxmlformats.org/officeDocument/2006/customXml" ds:itemID="{6F428CFE-245D-43D8-B0D0-387487C5BF5A}">
   <ds:schemaRefs>
     <ds:schemaRef ds:uri="http://schemas.microsoft.com/office/2006/metadata/contentType"/>
@@ -10228,15 +10237,6 @@
 </ds:datastoreItem>
 </file>
 
-<file path=customXml/itemProps2.xml><?xml version="1.0" encoding="utf-8"?>
-<ds:datastoreItem xmlns:ds="http://schemas.openxmlformats.org/officeDocument/2006/customXml" ds:itemID="{8BFBE333-608A-46DF-A4AF-FE0B5801DEF9}">
-  <ds:schemaRefs>
-    <ds:schemaRef ds:uri="http://schemas.microsoft.com/office/2006/metadata/properties"/>
-    <ds:schemaRef ds:uri="http://schemas.microsoft.com/office/infopath/2007/PartnerControls"/>
-  </ds:schemaRefs>
-</ds:datastoreItem>
-</file>
-
 <file path=customXml/itemProps3.xml><?xml version="1.0" encoding="utf-8"?>
 <ds:datastoreItem xmlns:ds="http://schemas.openxmlformats.org/officeDocument/2006/customXml" ds:itemID="{B672D072-43D2-4244-93B0-C6CB1ACF616A}">
   <ds:schemaRefs>

--- a/ClassMaterials/MergeSort/Slides/Part1-MergeSort.pptx
+++ b/ClassMaterials/MergeSort/Slides/Part1-MergeSort.pptx
@@ -403,7 +403,7 @@
               <a:pPr>
                 <a:defRPr/>
               </a:pPr>
-              <a:t>2/26/2024</a:t>
+              <a:t>4/22/2025</a:t>
             </a:fld>
             <a:endParaRPr lang="en-US"/>
           </a:p>
@@ -638,7 +638,7 @@
               <a:pPr>
                 <a:defRPr/>
               </a:pPr>
-              <a:t>2/26/2024</a:t>
+              <a:t>4/22/2025</a:t>
             </a:fld>
             <a:endParaRPr lang="en-US"/>
           </a:p>
@@ -2189,7 +2189,7 @@
               <a:pPr>
                 <a:defRPr/>
               </a:pPr>
-              <a:t>Monday, February 26, 2024</a:t>
+              <a:t>Tuesday, April 22, 2025</a:t>
             </a:fld>
             <a:endParaRPr lang="en-US"/>
           </a:p>
@@ -2372,7 +2372,7 @@
               <a:pPr>
                 <a:defRPr/>
               </a:pPr>
-              <a:t>Monday, February 26, 2024</a:t>
+              <a:t>Tuesday, April 22, 2025</a:t>
             </a:fld>
             <a:endParaRPr lang="en-US"/>
           </a:p>
@@ -2565,7 +2565,7 @@
               <a:pPr>
                 <a:defRPr/>
               </a:pPr>
-              <a:t>Monday, February 26, 2024</a:t>
+              <a:t>Tuesday, April 22, 2025</a:t>
             </a:fld>
             <a:endParaRPr lang="en-US"/>
           </a:p>
@@ -2748,7 +2748,7 @@
               <a:pPr>
                 <a:defRPr/>
               </a:pPr>
-              <a:t>Monday, February 26, 2024</a:t>
+              <a:t>Tuesday, April 22, 2025</a:t>
             </a:fld>
             <a:endParaRPr lang="en-US"/>
           </a:p>
@@ -3008,7 +3008,7 @@
               <a:pPr>
                 <a:defRPr/>
               </a:pPr>
-              <a:t>Monday, February 26, 2024</a:t>
+              <a:t>Tuesday, April 22, 2025</a:t>
             </a:fld>
             <a:endParaRPr lang="en-US"/>
           </a:p>
@@ -3308,7 +3308,7 @@
               <a:pPr>
                 <a:defRPr/>
               </a:pPr>
-              <a:t>Monday, February 26, 2024</a:t>
+              <a:t>Tuesday, April 22, 2025</a:t>
             </a:fld>
             <a:endParaRPr lang="en-US"/>
           </a:p>
@@ -3742,7 +3742,7 @@
               <a:pPr>
                 <a:defRPr/>
               </a:pPr>
-              <a:t>Monday, February 26, 2024</a:t>
+              <a:t>Tuesday, April 22, 2025</a:t>
             </a:fld>
             <a:endParaRPr lang="en-US"/>
           </a:p>
@@ -3874,7 +3874,7 @@
               <a:pPr>
                 <a:defRPr/>
               </a:pPr>
-              <a:t>Monday, February 26, 2024</a:t>
+              <a:t>Tuesday, April 22, 2025</a:t>
             </a:fld>
             <a:endParaRPr lang="en-US"/>
           </a:p>
@@ -3984,7 +3984,7 @@
               <a:pPr>
                 <a:defRPr/>
               </a:pPr>
-              <a:t>Monday, February 26, 2024</a:t>
+              <a:t>Tuesday, April 22, 2025</a:t>
             </a:fld>
             <a:endParaRPr lang="en-US"/>
           </a:p>
@@ -4274,7 +4274,7 @@
               <a:pPr>
                 <a:defRPr/>
               </a:pPr>
-              <a:t>Monday, February 26, 2024</a:t>
+              <a:t>Tuesday, April 22, 2025</a:t>
             </a:fld>
             <a:endParaRPr lang="en-US"/>
           </a:p>
@@ -4541,7 +4541,7 @@
               <a:pPr>
                 <a:defRPr/>
               </a:pPr>
-              <a:t>Monday, February 26, 2024</a:t>
+              <a:t>Tuesday, April 22, 2025</a:t>
             </a:fld>
             <a:endParaRPr lang="en-US"/>
           </a:p>
@@ -4767,7 +4767,7 @@
               <a:pPr>
                 <a:defRPr/>
               </a:pPr>
-              <a:t>Monday, February 26, 2024</a:t>
+              <a:t>Tuesday, April 22, 2025</a:t>
             </a:fld>
             <a:endParaRPr lang="en-US"/>
           </a:p>
@@ -5334,66 +5334,63 @@
       </p:sp>
       <p:sp>
         <p:nvSpPr>
-          <p:cNvPr id="3" name="TextBox 2">
+          <p:cNvPr id="4" name="Shape 54">
             <a:extLst>
               <a:ext uri="{FF2B5EF4-FFF2-40B4-BE49-F238E27FC236}">
-                <a16:creationId xmlns:a16="http://schemas.microsoft.com/office/drawing/2014/main" id="{DAAFB956-898E-B06E-D194-66ACA3A5F551}"/>
+                <a16:creationId xmlns:a16="http://schemas.microsoft.com/office/drawing/2014/main" id="{E9CE5592-E043-9020-F8D2-D678ED046692}"/>
               </a:ext>
             </a:extLst>
           </p:cNvPr>
-          <p:cNvSpPr txBox="1"/>
+          <p:cNvSpPr/>
           <p:nvPr/>
         </p:nvSpPr>
         <p:spPr>
           <a:xfrm>
-            <a:off x="3048001" y="-20697"/>
-            <a:ext cx="5903496" cy="1046440"/>
+            <a:off x="5539154" y="209686"/>
+            <a:ext cx="3346430" cy="738664"/>
           </a:xfrm>
           <a:prstGeom prst="rect">
             <a:avLst/>
           </a:prstGeom>
-          <a:noFill/>
-          <a:ln w="12700" cap="flat">
-            <a:noFill/>
-            <a:miter lim="400000"/>
+          <a:solidFill>
+            <a:srgbClr val="9BBB59"/>
+          </a:solidFill>
+          <a:ln w="25400" cap="rnd">
+            <a:solidFill>
+              <a:srgbClr val="718841"/>
+            </a:solidFill>
           </a:ln>
-          <a:effectLst/>
+          <a:extLst>
+            <a:ext uri="{C572A759-6A51-4108-AA02-DFA0A04FC94B}">
+              <ma14:wrappingTextBoxFlag xmlns="" xmlns:ma14="http://schemas.microsoft.com/office/mac/drawingml/2011/main" val="1"/>
+            </a:ext>
+          </a:extLst>
         </p:spPr>
-        <p:style>
-          <a:lnRef idx="0">
-            <a:scrgbClr r="0" g="0" b="0"/>
-          </a:lnRef>
-          <a:fillRef idx="0">
-            <a:scrgbClr r="0" g="0" b="0"/>
-          </a:fillRef>
-          <a:effectRef idx="0">
-            <a:scrgbClr r="0" g="0" b="0"/>
-          </a:effectRef>
-          <a:fontRef idx="none"/>
-        </p:style>
-        <p:txBody>
-          <a:bodyPr wrap="square">
+        <p:txBody>
+          <a:bodyPr wrap="square" lIns="0" tIns="0" rIns="0" bIns="0">
             <a:spAutoFit/>
           </a:bodyPr>
           <a:lstStyle/>
           <a:p>
-            <a:r>
-              <a:rPr lang="en-US" dirty="0">
-                <a:highlight>
-                  <a:srgbClr val="FFFF00"/>
-                </a:highlight>
+            <a:pPr lvl="0"/>
+            <a:r>
+              <a:rPr lang="en-US" sz="2400" i="1" dirty="0">
+                <a:solidFill>
+                  <a:srgbClr val="FFFFFF"/>
+                </a:solidFill>
               </a:rPr>
-              <a:t>Today’s Attendance password</a:t>
-            </a:r>
-          </a:p>
-          <a:p>
-            <a:r>
-              <a:rPr lang="en-US" sz="4400" dirty="0">
-                <a:highlight>
-                  <a:srgbClr val="FFFF00"/>
-                </a:highlight>
+              <a:t> Attendance password    </a:t>
+            </a:r>
+          </a:p>
+          <a:p>
+            <a:pPr lvl="0"/>
+            <a:r>
+              <a:rPr lang="en-US" sz="2400" i="1" dirty="0">
+                <a:solidFill>
+                  <a:srgbClr val="FFFFFF"/>
+                </a:solidFill>
               </a:rPr>
-              <a:t>____________</a:t>
+              <a:t> is written on the board</a:t>
             </a:r>
           </a:p>
         </p:txBody>
@@ -10018,6 +10015,15 @@
 </file>
 
 <file path=customXml/item2.xml><?xml version="1.0" encoding="utf-8"?>
+<?mso-contentType ?>
+<FormTemplates xmlns="http://schemas.microsoft.com/sharepoint/v3/contenttype/forms">
+  <Display>DocumentLibraryForm</Display>
+  <Edit>DocumentLibraryForm</Edit>
+  <New>DocumentLibraryForm</New>
+</FormTemplates>
+</file>
+
+<file path=customXml/item3.xml><?xml version="1.0" encoding="utf-8"?>
 <ct:contentTypeSchema xmlns:ct="http://schemas.microsoft.com/office/2006/metadata/contentType" xmlns:ma="http://schemas.microsoft.com/office/2006/metadata/properties/metaAttributes" ct:_="" ma:_="" ma:contentTypeName="Document" ma:contentTypeID="0x0101001570BCAAD2E4294F9443DCB038A55380" ma:contentTypeVersion="10" ma:contentTypeDescription="Create a new document." ma:contentTypeScope="" ma:versionID="84c2e02ee7a0dfaa743622fbac484332">
   <xsd:schema xmlns:xsd="http://www.w3.org/2001/XMLSchema" xmlns:xs="http://www.w3.org/2001/XMLSchema" xmlns:p="http://schemas.microsoft.com/office/2006/metadata/properties" xmlns:ns2="201674f6-2bdd-4f13-ba1e-424e4aa70473" targetNamespace="http://schemas.microsoft.com/office/2006/metadata/properties" ma:root="true" ma:fieldsID="0b220e6722f2c0d473d2d30e5cad202c" ns2:_="">
     <xsd:import namespace="201674f6-2bdd-4f13-ba1e-424e4aa70473"/>
@@ -10201,15 +10207,6 @@
 </ct:contentTypeSchema>
 </file>
 
-<file path=customXml/item3.xml><?xml version="1.0" encoding="utf-8"?>
-<?mso-contentType ?>
-<FormTemplates xmlns="http://schemas.microsoft.com/sharepoint/v3/contenttype/forms">
-  <Display>DocumentLibraryForm</Display>
-  <Edit>DocumentLibraryForm</Edit>
-  <New>DocumentLibraryForm</New>
-</FormTemplates>
-</file>
-
 <file path=customXml/itemProps1.xml><?xml version="1.0" encoding="utf-8"?>
 <ds:datastoreItem xmlns:ds="http://schemas.openxmlformats.org/officeDocument/2006/customXml" ds:itemID="{8BFBE333-608A-46DF-A4AF-FE0B5801DEF9}">
   <ds:schemaRefs>
@@ -10220,6 +10217,14 @@
 </file>
 
 <file path=customXml/itemProps2.xml><?xml version="1.0" encoding="utf-8"?>
+<ds:datastoreItem xmlns:ds="http://schemas.openxmlformats.org/officeDocument/2006/customXml" ds:itemID="{B672D072-43D2-4244-93B0-C6CB1ACF616A}">
+  <ds:schemaRefs>
+    <ds:schemaRef ds:uri="http://schemas.microsoft.com/sharepoint/v3/contenttype/forms"/>
+  </ds:schemaRefs>
+</ds:datastoreItem>
+</file>
+
+<file path=customXml/itemProps3.xml><?xml version="1.0" encoding="utf-8"?>
 <ds:datastoreItem xmlns:ds="http://schemas.openxmlformats.org/officeDocument/2006/customXml" ds:itemID="{6F428CFE-245D-43D8-B0D0-387487C5BF5A}">
   <ds:schemaRefs>
     <ds:schemaRef ds:uri="http://schemas.microsoft.com/office/2006/metadata/contentType"/>
@@ -10235,12 +10240,4 @@
     <ds:schemaRef ds:uri="http://schemas.microsoft.com/internal/obd"/>
   </ds:schemaRefs>
 </ds:datastoreItem>
-</file>
-
-<file path=customXml/itemProps3.xml><?xml version="1.0" encoding="utf-8"?>
-<ds:datastoreItem xmlns:ds="http://schemas.openxmlformats.org/officeDocument/2006/customXml" ds:itemID="{B672D072-43D2-4244-93B0-C6CB1ACF616A}">
-  <ds:schemaRefs>
-    <ds:schemaRef ds:uri="http://schemas.microsoft.com/sharepoint/v3/contenttype/forms"/>
-  </ds:schemaRefs>
-</ds:datastoreItem>
 </file>
--- a/ClassMaterials/MergeSort/Slides/Part1-MergeSort.pptx
+++ b/ClassMaterials/MergeSort/Slides/Part1-MergeSort.pptx
@@ -403,7 +403,7 @@
               <a:pPr>
                 <a:defRPr/>
               </a:pPr>
-              <a:t>4/22/2025</a:t>
+              <a:t>5/19/2025</a:t>
             </a:fld>
             <a:endParaRPr lang="en-US"/>
           </a:p>
@@ -638,7 +638,7 @@
               <a:pPr>
                 <a:defRPr/>
               </a:pPr>
-              <a:t>4/22/2025</a:t>
+              <a:t>5/19/2025</a:t>
             </a:fld>
             <a:endParaRPr lang="en-US"/>
           </a:p>
@@ -2189,7 +2189,7 @@
               <a:pPr>
                 <a:defRPr/>
               </a:pPr>
-              <a:t>Tuesday, April 22, 2025</a:t>
+              <a:t>Monday, May 19, 2025</a:t>
             </a:fld>
             <a:endParaRPr lang="en-US"/>
           </a:p>
@@ -2372,7 +2372,7 @@
               <a:pPr>
                 <a:defRPr/>
               </a:pPr>
-              <a:t>Tuesday, April 22, 2025</a:t>
+              <a:t>Monday, May 19, 2025</a:t>
             </a:fld>
             <a:endParaRPr lang="en-US"/>
           </a:p>
@@ -2565,7 +2565,7 @@
               <a:pPr>
                 <a:defRPr/>
               </a:pPr>
-              <a:t>Tuesday, April 22, 2025</a:t>
+              <a:t>Monday, May 19, 2025</a:t>
             </a:fld>
             <a:endParaRPr lang="en-US"/>
           </a:p>
@@ -2748,7 +2748,7 @@
               <a:pPr>
                 <a:defRPr/>
               </a:pPr>
-              <a:t>Tuesday, April 22, 2025</a:t>
+              <a:t>Monday, May 19, 2025</a:t>
             </a:fld>
             <a:endParaRPr lang="en-US"/>
           </a:p>
@@ -3008,7 +3008,7 @@
               <a:pPr>
                 <a:defRPr/>
               </a:pPr>
-              <a:t>Tuesday, April 22, 2025</a:t>
+              <a:t>Monday, May 19, 2025</a:t>
             </a:fld>
             <a:endParaRPr lang="en-US"/>
           </a:p>
@@ -3308,7 +3308,7 @@
               <a:pPr>
                 <a:defRPr/>
               </a:pPr>
-              <a:t>Tuesday, April 22, 2025</a:t>
+              <a:t>Monday, May 19, 2025</a:t>
             </a:fld>
             <a:endParaRPr lang="en-US"/>
           </a:p>
@@ -3742,7 +3742,7 @@
               <a:pPr>
                 <a:defRPr/>
               </a:pPr>
-              <a:t>Tuesday, April 22, 2025</a:t>
+              <a:t>Monday, May 19, 2025</a:t>
             </a:fld>
             <a:endParaRPr lang="en-US"/>
           </a:p>
@@ -3874,7 +3874,7 @@
               <a:pPr>
                 <a:defRPr/>
               </a:pPr>
-              <a:t>Tuesday, April 22, 2025</a:t>
+              <a:t>Monday, May 19, 2025</a:t>
             </a:fld>
             <a:endParaRPr lang="en-US"/>
           </a:p>
@@ -3984,7 +3984,7 @@
               <a:pPr>
                 <a:defRPr/>
               </a:pPr>
-              <a:t>Tuesday, April 22, 2025</a:t>
+              <a:t>Monday, May 19, 2025</a:t>
             </a:fld>
             <a:endParaRPr lang="en-US"/>
           </a:p>
@@ -4274,7 +4274,7 @@
               <a:pPr>
                 <a:defRPr/>
               </a:pPr>
-              <a:t>Tuesday, April 22, 2025</a:t>
+              <a:t>Monday, May 19, 2025</a:t>
             </a:fld>
             <a:endParaRPr lang="en-US"/>
           </a:p>
@@ -4541,7 +4541,7 @@
               <a:pPr>
                 <a:defRPr/>
               </a:pPr>
-              <a:t>Tuesday, April 22, 2025</a:t>
+              <a:t>Monday, May 19, 2025</a:t>
             </a:fld>
             <a:endParaRPr lang="en-US"/>
           </a:p>
@@ -4767,7 +4767,7 @@
               <a:pPr>
                 <a:defRPr/>
               </a:pPr>
-              <a:t>Tuesday, April 22, 2025</a:t>
+              <a:t>Monday, May 19, 2025</a:t>
             </a:fld>
             <a:endParaRPr lang="en-US"/>
           </a:p>
